--- a/Jeopardy Powerpoint_Team13_Project1_FINAL.pptx
+++ b/Jeopardy Powerpoint_Team13_Project1_FINAL.pptx
@@ -5,7 +5,7 @@
     <p:sldMasterId id="2147483660" r:id="rId1"/>
   </p:sldMasterIdLst>
   <p:notesMasterIdLst>
-    <p:notesMasterId r:id="rId15"/>
+    <p:notesMasterId r:id="rId13"/>
   </p:notesMasterIdLst>
   <p:sldIdLst>
     <p:sldId id="256" r:id="rId2"/>
@@ -13,14 +13,12 @@
     <p:sldId id="314" r:id="rId4"/>
     <p:sldId id="315" r:id="rId5"/>
     <p:sldId id="317" r:id="rId6"/>
-    <p:sldId id="320" r:id="rId7"/>
-    <p:sldId id="319" r:id="rId8"/>
-    <p:sldId id="318" r:id="rId9"/>
-    <p:sldId id="321" r:id="rId10"/>
-    <p:sldId id="322" r:id="rId11"/>
-    <p:sldId id="323" r:id="rId12"/>
-    <p:sldId id="324" r:id="rId13"/>
-    <p:sldId id="312" r:id="rId14"/>
+    <p:sldId id="324" r:id="rId7"/>
+    <p:sldId id="323" r:id="rId8"/>
+    <p:sldId id="320" r:id="rId9"/>
+    <p:sldId id="319" r:id="rId10"/>
+    <p:sldId id="318" r:id="rId11"/>
+    <p:sldId id="312" r:id="rId12"/>
   </p:sldIdLst>
   <p:sldSz cx="12192000" cy="6858000"/>
   <p:notesSz cx="6858000" cy="9144000"/>
@@ -4612,10 +4610,10 @@
       </p:grpSpPr>
       <p:sp>
         <p:nvSpPr>
-          <p:cNvPr id="3" name="Title 2">
+          <p:cNvPr id="2" name="Title 1">
             <a:extLst>
               <a:ext uri="{FF2B5EF4-FFF2-40B4-BE49-F238E27FC236}">
-                <a16:creationId xmlns:a16="http://schemas.microsoft.com/office/drawing/2014/main" id="{3B9AF1A0-04EC-4730-8FD2-B10FD163E00C}"/>
+                <a16:creationId xmlns:a16="http://schemas.microsoft.com/office/drawing/2014/main" id="{69AD3694-B095-4995-95F3-D6E6534DA4CF}"/>
               </a:ext>
             </a:extLst>
           </p:cNvPr>
@@ -4626,30 +4624,80 @@
             <p:ph type="title"/>
           </p:nvPr>
         </p:nvSpPr>
-        <p:spPr>
-          <a:xfrm>
-            <a:off x="609600" y="710782"/>
-            <a:ext cx="10972800" cy="889556"/>
-          </a:xfrm>
-        </p:spPr>
+        <p:spPr/>
         <p:txBody>
           <a:bodyPr/>
           <a:lstStyle/>
           <a:p>
-            <a:pPr algn="ctr"/>
             <a:r>
-              <a:rPr lang="en-US" sz="3600" dirty="0"/>
-              <a:t>Top 5 Categories in All Rounds Over 35 Seasons</a:t>
+              <a:rPr lang="en-US" dirty="0"/>
+              <a:t>How are the values of the top 5 questions distributed?  </a:t>
+            </a:r>
+          </a:p>
+        </p:txBody>
+      </p:sp>
+      <p:sp>
+        <p:nvSpPr>
+          <p:cNvPr id="3" name="Text Placeholder 2">
+            <a:extLst>
+              <a:ext uri="{FF2B5EF4-FFF2-40B4-BE49-F238E27FC236}">
+                <a16:creationId xmlns:a16="http://schemas.microsoft.com/office/drawing/2014/main" id="{A76EE4F1-F425-4E41-8861-EB2327940DD6}"/>
+              </a:ext>
+            </a:extLst>
+          </p:cNvPr>
+          <p:cNvSpPr>
+            <a:spLocks noGrp="1"/>
+          </p:cNvSpPr>
+          <p:nvPr>
+            <p:ph type="body" idx="1"/>
+          </p:nvPr>
+        </p:nvSpPr>
+        <p:spPr/>
+        <p:txBody>
+          <a:bodyPr/>
+          <a:lstStyle/>
+          <a:p>
+            <a:r>
+              <a:rPr lang="en-US" sz="2000" dirty="0"/>
+              <a:t>Looking at Density of Points Possible</a:t>
+            </a:r>
+          </a:p>
+        </p:txBody>
+      </p:sp>
+      <p:sp>
+        <p:nvSpPr>
+          <p:cNvPr id="4" name="Text Placeholder 3">
+            <a:extLst>
+              <a:ext uri="{FF2B5EF4-FFF2-40B4-BE49-F238E27FC236}">
+                <a16:creationId xmlns:a16="http://schemas.microsoft.com/office/drawing/2014/main" id="{59ABD35B-1AC0-451C-9D86-85406B2AFFCA}"/>
+              </a:ext>
+            </a:extLst>
+          </p:cNvPr>
+          <p:cNvSpPr>
+            <a:spLocks noGrp="1"/>
+          </p:cNvSpPr>
+          <p:nvPr>
+            <p:ph type="body" idx="2"/>
+          </p:nvPr>
+        </p:nvSpPr>
+        <p:spPr/>
+        <p:txBody>
+          <a:bodyPr/>
+          <a:lstStyle/>
+          <a:p>
+            <a:r>
+              <a:rPr lang="en-US" sz="2000" dirty="0"/>
+              <a:t>Looking at Frequency of Points Possible</a:t>
             </a:r>
           </a:p>
         </p:txBody>
       </p:sp>
       <p:pic>
         <p:nvPicPr>
-          <p:cNvPr id="5" name="Picture 4">
+          <p:cNvPr id="6" name="Picture 5" descr="A screenshot of a cell phone&#10;&#10;Description automatically generated">
             <a:extLst>
               <a:ext uri="{FF2B5EF4-FFF2-40B4-BE49-F238E27FC236}">
-                <a16:creationId xmlns:a16="http://schemas.microsoft.com/office/drawing/2014/main" id="{32330F2B-993A-4DBE-A2AF-22661E2465F5}"/>
+                <a16:creationId xmlns:a16="http://schemas.microsoft.com/office/drawing/2014/main" id="{222D01A7-5A7D-4451-9EBB-76C36D2D15A0}"/>
               </a:ext>
             </a:extLst>
           </p:cNvPr>
@@ -4672,8 +4720,8 @@
         </p:blipFill>
         <p:spPr>
           <a:xfrm>
-            <a:off x="3436832" y="2369164"/>
-            <a:ext cx="4882906" cy="3182118"/>
+            <a:off x="609600" y="2245384"/>
+            <a:ext cx="11003133" cy="3667711"/>
           </a:xfrm>
           <a:prstGeom prst="rect">
             <a:avLst/>
@@ -4683,7 +4731,7 @@
     </p:spTree>
     <p:extLst>
       <p:ext uri="{BB962C8B-B14F-4D97-AF65-F5344CB8AC3E}">
-        <p14:creationId xmlns:p14="http://schemas.microsoft.com/office/powerpoint/2010/main" val="528831709"/>
+        <p14:creationId xmlns:p14="http://schemas.microsoft.com/office/powerpoint/2010/main" val="3238223911"/>
       </p:ext>
     </p:extLst>
   </p:cSld>
@@ -4694,199 +4742,6 @@
 </file>
 
 <file path=ppt/slides/slide11.xml><?xml version="1.0" encoding="utf-8"?>
-<p:sld xmlns:a="http://schemas.openxmlformats.org/drawingml/2006/main" xmlns:r="http://schemas.openxmlformats.org/officeDocument/2006/relationships" xmlns:p="http://schemas.openxmlformats.org/presentationml/2006/main">
-  <p:cSld>
-    <p:spTree>
-      <p:nvGrpSpPr>
-        <p:cNvPr id="1" name=""/>
-        <p:cNvGrpSpPr/>
-        <p:nvPr/>
-      </p:nvGrpSpPr>
-      <p:grpSpPr>
-        <a:xfrm>
-          <a:off x="0" y="0"/>
-          <a:ext cx="0" cy="0"/>
-          <a:chOff x="0" y="0"/>
-          <a:chExt cx="0" cy="0"/>
-        </a:xfrm>
-      </p:grpSpPr>
-      <p:sp>
-        <p:nvSpPr>
-          <p:cNvPr id="3" name="Title 2">
-            <a:extLst>
-              <a:ext uri="{FF2B5EF4-FFF2-40B4-BE49-F238E27FC236}">
-                <a16:creationId xmlns:a16="http://schemas.microsoft.com/office/drawing/2014/main" id="{C32C0223-30BD-42B7-AAE4-BD0BB013EA57}"/>
-              </a:ext>
-            </a:extLst>
-          </p:cNvPr>
-          <p:cNvSpPr>
-            <a:spLocks noGrp="1"/>
-          </p:cNvSpPr>
-          <p:nvPr>
-            <p:ph type="title"/>
-          </p:nvPr>
-        </p:nvSpPr>
-        <p:spPr>
-          <a:xfrm>
-            <a:off x="609600" y="705394"/>
-            <a:ext cx="10972800" cy="894944"/>
-          </a:xfrm>
-        </p:spPr>
-        <p:txBody>
-          <a:bodyPr/>
-          <a:lstStyle/>
-          <a:p>
-            <a:r>
-              <a:rPr lang="en-US" dirty="0"/>
-              <a:t>Top 5 Questions for All Seasons &amp; All Rounds</a:t>
-            </a:r>
-          </a:p>
-        </p:txBody>
-      </p:sp>
-      <p:pic>
-        <p:nvPicPr>
-          <p:cNvPr id="5" name="Picture 4">
-            <a:extLst>
-              <a:ext uri="{FF2B5EF4-FFF2-40B4-BE49-F238E27FC236}">
-                <a16:creationId xmlns:a16="http://schemas.microsoft.com/office/drawing/2014/main" id="{8EF799A1-2B45-4D77-802A-DBC02F84BE17}"/>
-              </a:ext>
-            </a:extLst>
-          </p:cNvPr>
-          <p:cNvPicPr>
-            <a:picLocks noChangeAspect="1"/>
-          </p:cNvPicPr>
-          <p:nvPr/>
-        </p:nvPicPr>
-        <p:blipFill>
-          <a:blip r:embed="rId2">
-            <a:extLst>
-              <a:ext uri="{28A0092B-C50C-407E-A947-70E740481C1C}">
-                <a14:useLocalDpi xmlns:a14="http://schemas.microsoft.com/office/drawing/2010/main" val="0"/>
-              </a:ext>
-            </a:extLst>
-          </a:blip>
-          <a:stretch>
-            <a:fillRect/>
-          </a:stretch>
-        </p:blipFill>
-        <p:spPr>
-          <a:xfrm>
-            <a:off x="3226520" y="1925025"/>
-            <a:ext cx="4937770" cy="3913640"/>
-          </a:xfrm>
-          <a:prstGeom prst="rect">
-            <a:avLst/>
-          </a:prstGeom>
-        </p:spPr>
-      </p:pic>
-    </p:spTree>
-    <p:extLst>
-      <p:ext uri="{BB962C8B-B14F-4D97-AF65-F5344CB8AC3E}">
-        <p14:creationId xmlns:p14="http://schemas.microsoft.com/office/powerpoint/2010/main" val="90568695"/>
-      </p:ext>
-    </p:extLst>
-  </p:cSld>
-  <p:clrMapOvr>
-    <a:masterClrMapping/>
-  </p:clrMapOvr>
-</p:sld>
-</file>
-
-<file path=ppt/slides/slide12.xml><?xml version="1.0" encoding="utf-8"?>
-<p:sld xmlns:a="http://schemas.openxmlformats.org/drawingml/2006/main" xmlns:r="http://schemas.openxmlformats.org/officeDocument/2006/relationships" xmlns:p="http://schemas.openxmlformats.org/presentationml/2006/main">
-  <p:cSld>
-    <p:spTree>
-      <p:nvGrpSpPr>
-        <p:cNvPr id="1" name=""/>
-        <p:cNvGrpSpPr/>
-        <p:nvPr/>
-      </p:nvGrpSpPr>
-      <p:grpSpPr>
-        <a:xfrm>
-          <a:off x="0" y="0"/>
-          <a:ext cx="0" cy="0"/>
-          <a:chOff x="0" y="0"/>
-          <a:chExt cx="0" cy="0"/>
-        </a:xfrm>
-      </p:grpSpPr>
-      <p:sp>
-        <p:nvSpPr>
-          <p:cNvPr id="3" name="Title 2">
-            <a:extLst>
-              <a:ext uri="{FF2B5EF4-FFF2-40B4-BE49-F238E27FC236}">
-                <a16:creationId xmlns:a16="http://schemas.microsoft.com/office/drawing/2014/main" id="{FA723C2E-A5F4-4AD7-8380-544C440A0015}"/>
-              </a:ext>
-            </a:extLst>
-          </p:cNvPr>
-          <p:cNvSpPr>
-            <a:spLocks noGrp="1"/>
-          </p:cNvSpPr>
-          <p:nvPr>
-            <p:ph type="title"/>
-          </p:nvPr>
-        </p:nvSpPr>
-        <p:spPr/>
-        <p:txBody>
-          <a:bodyPr/>
-          <a:lstStyle/>
-          <a:p>
-            <a:r>
-              <a:rPr lang="en-US" dirty="0"/>
-              <a:t>Top 5 Questions in All Rounds &amp; Seasons</a:t>
-            </a:r>
-          </a:p>
-        </p:txBody>
-      </p:sp>
-      <p:pic>
-        <p:nvPicPr>
-          <p:cNvPr id="5" name="Picture 4">
-            <a:extLst>
-              <a:ext uri="{FF2B5EF4-FFF2-40B4-BE49-F238E27FC236}">
-                <a16:creationId xmlns:a16="http://schemas.microsoft.com/office/drawing/2014/main" id="{40891F59-E6AC-4B06-8AC0-03086AA3BD7C}"/>
-              </a:ext>
-            </a:extLst>
-          </p:cNvPr>
-          <p:cNvPicPr>
-            <a:picLocks noChangeAspect="1"/>
-          </p:cNvPicPr>
-          <p:nvPr/>
-        </p:nvPicPr>
-        <p:blipFill>
-          <a:blip r:embed="rId2">
-            <a:extLst>
-              <a:ext uri="{28A0092B-C50C-407E-A947-70E740481C1C}">
-                <a14:useLocalDpi xmlns:a14="http://schemas.microsoft.com/office/drawing/2010/main" val="0"/>
-              </a:ext>
-            </a:extLst>
-          </a:blip>
-          <a:stretch>
-            <a:fillRect/>
-          </a:stretch>
-        </p:blipFill>
-        <p:spPr>
-          <a:xfrm>
-            <a:off x="3356279" y="2501897"/>
-            <a:ext cx="4608585" cy="3154686"/>
-          </a:xfrm>
-          <a:prstGeom prst="rect">
-            <a:avLst/>
-          </a:prstGeom>
-        </p:spPr>
-      </p:pic>
-    </p:spTree>
-    <p:extLst>
-      <p:ext uri="{BB962C8B-B14F-4D97-AF65-F5344CB8AC3E}">
-        <p14:creationId xmlns:p14="http://schemas.microsoft.com/office/powerpoint/2010/main" val="3442083260"/>
-      </p:ext>
-    </p:extLst>
-  </p:cSld>
-  <p:clrMapOvr>
-    <a:masterClrMapping/>
-  </p:clrMapOvr>
-</p:sld>
-</file>
-
-<file path=ppt/slides/slide13.xml><?xml version="1.0" encoding="utf-8"?>
 <p:sld xmlns:a="http://schemas.openxmlformats.org/drawingml/2006/main" xmlns:r="http://schemas.openxmlformats.org/officeDocument/2006/relationships" xmlns:p="http://schemas.openxmlformats.org/presentationml/2006/main">
   <p:cSld>
     <p:bg>
@@ -5849,6 +5704,138 @@
           <a:chExt cx="0" cy="0"/>
         </a:xfrm>
       </p:grpSpPr>
+      <p:pic>
+        <p:nvPicPr>
+          <p:cNvPr id="7" name="Picture 6" descr="A screenshot of a cell phone&#10;&#10;Description automatically generated">
+            <a:extLst>
+              <a:ext uri="{FF2B5EF4-FFF2-40B4-BE49-F238E27FC236}">
+                <a16:creationId xmlns:a16="http://schemas.microsoft.com/office/drawing/2014/main" id="{259E34FA-190F-4B31-95A9-C21EFA47FD0B}"/>
+              </a:ext>
+            </a:extLst>
+          </p:cNvPr>
+          <p:cNvPicPr>
+            <a:picLocks noChangeAspect="1"/>
+          </p:cNvPicPr>
+          <p:nvPr/>
+        </p:nvPicPr>
+        <p:blipFill>
+          <a:blip r:embed="rId2">
+            <a:extLst>
+              <a:ext uri="{28A0092B-C50C-407E-A947-70E740481C1C}">
+                <a14:useLocalDpi xmlns:a14="http://schemas.microsoft.com/office/drawing/2010/main" val="0"/>
+              </a:ext>
+            </a:extLst>
+          </a:blip>
+          <a:stretch>
+            <a:fillRect/>
+          </a:stretch>
+        </p:blipFill>
+        <p:spPr>
+          <a:xfrm>
+            <a:off x="0" y="1129553"/>
+            <a:ext cx="12192000" cy="4598894"/>
+          </a:xfrm>
+          <a:prstGeom prst="rect">
+            <a:avLst/>
+          </a:prstGeom>
+        </p:spPr>
+      </p:pic>
+    </p:spTree>
+    <p:extLst>
+      <p:ext uri="{BB962C8B-B14F-4D97-AF65-F5344CB8AC3E}">
+        <p14:creationId xmlns:p14="http://schemas.microsoft.com/office/powerpoint/2010/main" val="3442083260"/>
+      </p:ext>
+    </p:extLst>
+  </p:cSld>
+  <p:clrMapOvr>
+    <a:masterClrMapping/>
+  </p:clrMapOvr>
+</p:sld>
+</file>
+
+<file path=ppt/slides/slide7.xml><?xml version="1.0" encoding="utf-8"?>
+<p:sld xmlns:a="http://schemas.openxmlformats.org/drawingml/2006/main" xmlns:r="http://schemas.openxmlformats.org/officeDocument/2006/relationships" xmlns:p="http://schemas.openxmlformats.org/presentationml/2006/main">
+  <p:cSld>
+    <p:spTree>
+      <p:nvGrpSpPr>
+        <p:cNvPr id="1" name=""/>
+        <p:cNvGrpSpPr/>
+        <p:nvPr/>
+      </p:nvGrpSpPr>
+      <p:grpSpPr>
+        <a:xfrm>
+          <a:off x="0" y="0"/>
+          <a:ext cx="0" cy="0"/>
+          <a:chOff x="0" y="0"/>
+          <a:chExt cx="0" cy="0"/>
+        </a:xfrm>
+      </p:grpSpPr>
+      <p:pic>
+        <p:nvPicPr>
+          <p:cNvPr id="7" name="Picture 6" descr="A screenshot of a computer&#10;&#10;Description automatically generated">
+            <a:extLst>
+              <a:ext uri="{FF2B5EF4-FFF2-40B4-BE49-F238E27FC236}">
+                <a16:creationId xmlns:a16="http://schemas.microsoft.com/office/drawing/2014/main" id="{2FA21B72-0056-48AF-AF11-75A7A0981905}"/>
+              </a:ext>
+            </a:extLst>
+          </p:cNvPr>
+          <p:cNvPicPr>
+            <a:picLocks noChangeAspect="1"/>
+          </p:cNvPicPr>
+          <p:nvPr/>
+        </p:nvPicPr>
+        <p:blipFill>
+          <a:blip r:embed="rId2">
+            <a:extLst>
+              <a:ext uri="{28A0092B-C50C-407E-A947-70E740481C1C}">
+                <a14:useLocalDpi xmlns:a14="http://schemas.microsoft.com/office/drawing/2010/main" val="0"/>
+              </a:ext>
+            </a:extLst>
+          </a:blip>
+          <a:stretch>
+            <a:fillRect/>
+          </a:stretch>
+        </p:blipFill>
+        <p:spPr>
+          <a:xfrm>
+            <a:off x="981075" y="690562"/>
+            <a:ext cx="10229850" cy="5476875"/>
+          </a:xfrm>
+          <a:prstGeom prst="rect">
+            <a:avLst/>
+          </a:prstGeom>
+        </p:spPr>
+      </p:pic>
+    </p:spTree>
+    <p:extLst>
+      <p:ext uri="{BB962C8B-B14F-4D97-AF65-F5344CB8AC3E}">
+        <p14:creationId xmlns:p14="http://schemas.microsoft.com/office/powerpoint/2010/main" val="90568695"/>
+      </p:ext>
+    </p:extLst>
+  </p:cSld>
+  <p:clrMapOvr>
+    <a:masterClrMapping/>
+  </p:clrMapOvr>
+</p:sld>
+</file>
+
+<file path=ppt/slides/slide8.xml><?xml version="1.0" encoding="utf-8"?>
+<p:sld xmlns:a="http://schemas.openxmlformats.org/drawingml/2006/main" xmlns:r="http://schemas.openxmlformats.org/officeDocument/2006/relationships" xmlns:p="http://schemas.openxmlformats.org/presentationml/2006/main">
+  <p:cSld>
+    <p:spTree>
+      <p:nvGrpSpPr>
+        <p:cNvPr id="1" name=""/>
+        <p:cNvGrpSpPr/>
+        <p:nvPr/>
+      </p:nvGrpSpPr>
+      <p:grpSpPr>
+        <a:xfrm>
+          <a:off x="0" y="0"/>
+          <a:ext cx="0" cy="0"/>
+          <a:chOff x="0" y="0"/>
+          <a:chExt cx="0" cy="0"/>
+        </a:xfrm>
+      </p:grpSpPr>
       <p:sp>
         <p:nvSpPr>
           <p:cNvPr id="2" name="Text Placeholder 1">
@@ -6000,7 +5987,7 @@
 </p:sld>
 </file>
 
-<file path=ppt/slides/slide7.xml><?xml version="1.0" encoding="utf-8"?>
+<file path=ppt/slides/slide9.xml><?xml version="1.0" encoding="utf-8"?>
 <p:sld xmlns:a="http://schemas.openxmlformats.org/drawingml/2006/main" xmlns:r="http://schemas.openxmlformats.org/officeDocument/2006/relationships" xmlns:p="http://schemas.openxmlformats.org/presentationml/2006/main">
   <p:cSld>
     <p:spTree>
@@ -6157,282 +6144,6 @@
     <p:extLst>
       <p:ext uri="{BB962C8B-B14F-4D97-AF65-F5344CB8AC3E}">
         <p14:creationId xmlns:p14="http://schemas.microsoft.com/office/powerpoint/2010/main" val="3540525374"/>
-      </p:ext>
-    </p:extLst>
-  </p:cSld>
-  <p:clrMapOvr>
-    <a:masterClrMapping/>
-  </p:clrMapOvr>
-</p:sld>
-</file>
-
-<file path=ppt/slides/slide8.xml><?xml version="1.0" encoding="utf-8"?>
-<p:sld xmlns:a="http://schemas.openxmlformats.org/drawingml/2006/main" xmlns:r="http://schemas.openxmlformats.org/officeDocument/2006/relationships" xmlns:p="http://schemas.openxmlformats.org/presentationml/2006/main">
-  <p:cSld>
-    <p:spTree>
-      <p:nvGrpSpPr>
-        <p:cNvPr id="1" name=""/>
-        <p:cNvGrpSpPr/>
-        <p:nvPr/>
-      </p:nvGrpSpPr>
-      <p:grpSpPr>
-        <a:xfrm>
-          <a:off x="0" y="0"/>
-          <a:ext cx="0" cy="0"/>
-          <a:chOff x="0" y="0"/>
-          <a:chExt cx="0" cy="0"/>
-        </a:xfrm>
-      </p:grpSpPr>
-      <p:sp>
-        <p:nvSpPr>
-          <p:cNvPr id="2" name="Title 1">
-            <a:extLst>
-              <a:ext uri="{FF2B5EF4-FFF2-40B4-BE49-F238E27FC236}">
-                <a16:creationId xmlns:a16="http://schemas.microsoft.com/office/drawing/2014/main" id="{69AD3694-B095-4995-95F3-D6E6534DA4CF}"/>
-              </a:ext>
-            </a:extLst>
-          </p:cNvPr>
-          <p:cNvSpPr>
-            <a:spLocks noGrp="1"/>
-          </p:cNvSpPr>
-          <p:nvPr>
-            <p:ph type="title"/>
-          </p:nvPr>
-        </p:nvSpPr>
-        <p:spPr/>
-        <p:txBody>
-          <a:bodyPr/>
-          <a:lstStyle/>
-          <a:p>
-            <a:r>
-              <a:rPr lang="en-US" dirty="0"/>
-              <a:t>How are the values of the top 5 questions distributed?  </a:t>
-            </a:r>
-          </a:p>
-        </p:txBody>
-      </p:sp>
-      <p:sp>
-        <p:nvSpPr>
-          <p:cNvPr id="3" name="Text Placeholder 2">
-            <a:extLst>
-              <a:ext uri="{FF2B5EF4-FFF2-40B4-BE49-F238E27FC236}">
-                <a16:creationId xmlns:a16="http://schemas.microsoft.com/office/drawing/2014/main" id="{A76EE4F1-F425-4E41-8861-EB2327940DD6}"/>
-              </a:ext>
-            </a:extLst>
-          </p:cNvPr>
-          <p:cNvSpPr>
-            <a:spLocks noGrp="1"/>
-          </p:cNvSpPr>
-          <p:nvPr>
-            <p:ph type="body" idx="1"/>
-          </p:nvPr>
-        </p:nvSpPr>
-        <p:spPr/>
-        <p:txBody>
-          <a:bodyPr/>
-          <a:lstStyle/>
-          <a:p>
-            <a:r>
-              <a:rPr lang="en-US" sz="2000" dirty="0"/>
-              <a:t>Looking at Density of Points Possible</a:t>
-            </a:r>
-          </a:p>
-        </p:txBody>
-      </p:sp>
-      <p:sp>
-        <p:nvSpPr>
-          <p:cNvPr id="4" name="Text Placeholder 3">
-            <a:extLst>
-              <a:ext uri="{FF2B5EF4-FFF2-40B4-BE49-F238E27FC236}">
-                <a16:creationId xmlns:a16="http://schemas.microsoft.com/office/drawing/2014/main" id="{59ABD35B-1AC0-451C-9D86-85406B2AFFCA}"/>
-              </a:ext>
-            </a:extLst>
-          </p:cNvPr>
-          <p:cNvSpPr>
-            <a:spLocks noGrp="1"/>
-          </p:cNvSpPr>
-          <p:nvPr>
-            <p:ph type="body" idx="2"/>
-          </p:nvPr>
-        </p:nvSpPr>
-        <p:spPr/>
-        <p:txBody>
-          <a:bodyPr/>
-          <a:lstStyle/>
-          <a:p>
-            <a:r>
-              <a:rPr lang="en-US" sz="2000" dirty="0"/>
-              <a:t>Looking at Frequency of Points Possible</a:t>
-            </a:r>
-          </a:p>
-        </p:txBody>
-      </p:sp>
-      <p:pic>
-        <p:nvPicPr>
-          <p:cNvPr id="6" name="Picture 5" descr="A screenshot of a cell phone&#10;&#10;Description automatically generated">
-            <a:extLst>
-              <a:ext uri="{FF2B5EF4-FFF2-40B4-BE49-F238E27FC236}">
-                <a16:creationId xmlns:a16="http://schemas.microsoft.com/office/drawing/2014/main" id="{222D01A7-5A7D-4451-9EBB-76C36D2D15A0}"/>
-              </a:ext>
-            </a:extLst>
-          </p:cNvPr>
-          <p:cNvPicPr>
-            <a:picLocks noChangeAspect="1"/>
-          </p:cNvPicPr>
-          <p:nvPr/>
-        </p:nvPicPr>
-        <p:blipFill>
-          <a:blip r:embed="rId2">
-            <a:extLst>
-              <a:ext uri="{28A0092B-C50C-407E-A947-70E740481C1C}">
-                <a14:useLocalDpi xmlns:a14="http://schemas.microsoft.com/office/drawing/2010/main" val="0"/>
-              </a:ext>
-            </a:extLst>
-          </a:blip>
-          <a:stretch>
-            <a:fillRect/>
-          </a:stretch>
-        </p:blipFill>
-        <p:spPr>
-          <a:xfrm>
-            <a:off x="609600" y="2245384"/>
-            <a:ext cx="11003133" cy="3667711"/>
-          </a:xfrm>
-          <a:prstGeom prst="rect">
-            <a:avLst/>
-          </a:prstGeom>
-        </p:spPr>
-      </p:pic>
-    </p:spTree>
-    <p:extLst>
-      <p:ext uri="{BB962C8B-B14F-4D97-AF65-F5344CB8AC3E}">
-        <p14:creationId xmlns:p14="http://schemas.microsoft.com/office/powerpoint/2010/main" val="3238223911"/>
-      </p:ext>
-    </p:extLst>
-  </p:cSld>
-  <p:clrMapOvr>
-    <a:masterClrMapping/>
-  </p:clrMapOvr>
-</p:sld>
-</file>
-
-<file path=ppt/slides/slide9.xml><?xml version="1.0" encoding="utf-8"?>
-<p:sld xmlns:a="http://schemas.openxmlformats.org/drawingml/2006/main" xmlns:r="http://schemas.openxmlformats.org/officeDocument/2006/relationships" xmlns:p="http://schemas.openxmlformats.org/presentationml/2006/main">
-  <p:cSld>
-    <p:spTree>
-      <p:nvGrpSpPr>
-        <p:cNvPr id="1" name=""/>
-        <p:cNvGrpSpPr/>
-        <p:nvPr/>
-      </p:nvGrpSpPr>
-      <p:grpSpPr>
-        <a:xfrm>
-          <a:off x="0" y="0"/>
-          <a:ext cx="0" cy="0"/>
-          <a:chOff x="0" y="0"/>
-          <a:chExt cx="0" cy="0"/>
-        </a:xfrm>
-      </p:grpSpPr>
-      <p:sp>
-        <p:nvSpPr>
-          <p:cNvPr id="2" name="Text Placeholder 1">
-            <a:extLst>
-              <a:ext uri="{FF2B5EF4-FFF2-40B4-BE49-F238E27FC236}">
-                <a16:creationId xmlns:a16="http://schemas.microsoft.com/office/drawing/2014/main" id="{BA3A0BED-7615-447B-9BD3-1E2C9722A422}"/>
-              </a:ext>
-            </a:extLst>
-          </p:cNvPr>
-          <p:cNvSpPr>
-            <a:spLocks noGrp="1"/>
-          </p:cNvSpPr>
-          <p:nvPr>
-            <p:ph type="body" idx="1"/>
-          </p:nvPr>
-        </p:nvSpPr>
-        <p:spPr>
-          <a:xfrm>
-            <a:off x="2638696" y="1826183"/>
-            <a:ext cx="4602485" cy="4108144"/>
-          </a:xfrm>
-        </p:spPr>
-        <p:txBody>
-          <a:bodyPr/>
-          <a:lstStyle/>
-          <a:p>
-            <a:pPr algn="ctr"/>
-            <a:endParaRPr lang="en-US" dirty="0"/>
-          </a:p>
-        </p:txBody>
-      </p:sp>
-      <p:sp>
-        <p:nvSpPr>
-          <p:cNvPr id="3" name="Title 2">
-            <a:extLst>
-              <a:ext uri="{FF2B5EF4-FFF2-40B4-BE49-F238E27FC236}">
-                <a16:creationId xmlns:a16="http://schemas.microsoft.com/office/drawing/2014/main" id="{F321E428-A720-4183-8B81-17765F02423D}"/>
-              </a:ext>
-            </a:extLst>
-          </p:cNvPr>
-          <p:cNvSpPr>
-            <a:spLocks noGrp="1"/>
-          </p:cNvSpPr>
-          <p:nvPr>
-            <p:ph type="title"/>
-          </p:nvPr>
-        </p:nvSpPr>
-        <p:spPr/>
-        <p:txBody>
-          <a:bodyPr/>
-          <a:lstStyle/>
-          <a:p>
-            <a:pPr algn="ctr"/>
-            <a:r>
-              <a:rPr lang="en-US" dirty="0"/>
-              <a:t>Top 5 Categories Over 35 Seasons</a:t>
-            </a:r>
-          </a:p>
-        </p:txBody>
-      </p:sp>
-      <p:pic>
-        <p:nvPicPr>
-          <p:cNvPr id="5" name="Picture 4">
-            <a:extLst>
-              <a:ext uri="{FF2B5EF4-FFF2-40B4-BE49-F238E27FC236}">
-                <a16:creationId xmlns:a16="http://schemas.microsoft.com/office/drawing/2014/main" id="{53D56A0F-8F01-4E6E-B73E-6EAB975E8B3E}"/>
-              </a:ext>
-            </a:extLst>
-          </p:cNvPr>
-          <p:cNvPicPr>
-            <a:picLocks noChangeAspect="1"/>
-          </p:cNvPicPr>
-          <p:nvPr/>
-        </p:nvPicPr>
-        <p:blipFill>
-          <a:blip r:embed="rId2">
-            <a:extLst>
-              <a:ext uri="{28A0092B-C50C-407E-A947-70E740481C1C}">
-                <a14:useLocalDpi xmlns:a14="http://schemas.microsoft.com/office/drawing/2010/main" val="0"/>
-              </a:ext>
-            </a:extLst>
-          </a:blip>
-          <a:stretch>
-            <a:fillRect/>
-          </a:stretch>
-        </p:blipFill>
-        <p:spPr>
-          <a:xfrm>
-            <a:off x="2699656" y="1826183"/>
-            <a:ext cx="4602485" cy="4108144"/>
-          </a:xfrm>
-          <a:prstGeom prst="rect">
-            <a:avLst/>
-          </a:prstGeom>
-        </p:spPr>
-      </p:pic>
-    </p:spTree>
-    <p:extLst>
-      <p:ext uri="{BB962C8B-B14F-4D97-AF65-F5344CB8AC3E}">
-        <p14:creationId xmlns:p14="http://schemas.microsoft.com/office/powerpoint/2010/main" val="1981363882"/>
       </p:ext>
     </p:extLst>
   </p:cSld>
